--- a/Day31/DockerAndKubernetes_Training-Day31.pptx
+++ b/Day31/DockerAndKubernetes_Training-Day31.pptx
@@ -5,12 +5,18 @@
     <p:sldMasterId id="2147483880" r:id="rId1"/>
   </p:sldMasterIdLst>
   <p:notesMasterIdLst>
-    <p:notesMasterId r:id="rId5"/>
+    <p:notesMasterId r:id="rId11"/>
   </p:notesMasterIdLst>
   <p:sldIdLst>
     <p:sldId id="439" r:id="rId2"/>
     <p:sldId id="449" r:id="rId3"/>
-    <p:sldId id="451" r:id="rId4"/>
+    <p:sldId id="452" r:id="rId4"/>
+    <p:sldId id="453" r:id="rId5"/>
+    <p:sldId id="454" r:id="rId6"/>
+    <p:sldId id="455" r:id="rId7"/>
+    <p:sldId id="456" r:id="rId8"/>
+    <p:sldId id="457" r:id="rId9"/>
+    <p:sldId id="451" r:id="rId10"/>
   </p:sldIdLst>
   <p:sldSz cx="12192000" cy="6858000"/>
   <p:notesSz cx="6858000" cy="9144000"/>
@@ -13799,7 +13805,7 @@
         </p:spPr>
         <p:txBody>
           <a:bodyPr vert="horz" lIns="91440" tIns="45720" rIns="91440" bIns="45720" rtlCol="0">
-            <a:normAutofit/>
+            <a:normAutofit lnSpcReduction="10000"/>
           </a:bodyPr>
           <a:lstStyle>
             <a:lvl1pPr marL="342900" indent="-342900" algn="l" defTabSz="457200" rtl="0" eaLnBrk="1" latinLnBrk="0" hangingPunct="1">
@@ -14029,12 +14035,6 @@
             </a:lvl9pPr>
           </a:lstStyle>
           <a:p>
-            <a:pPr marL="0" indent="0">
-              <a:buNone/>
-            </a:pPr>
-            <a:endParaRPr lang="en-US" dirty="0"/>
-          </a:p>
-          <a:p>
             <a:r>
               <a:rPr lang="en-US" dirty="0"/>
               <a:t>Recap/Any query from previous session</a:t>
@@ -14042,41 +14042,136 @@
           </a:p>
           <a:p>
             <a:r>
-              <a:rPr lang="en-US" dirty="0"/>
-              <a:t>Recap/Any query from previous session</a:t>
-            </a:r>
-          </a:p>
-          <a:p>
-            <a:r>
-              <a:rPr lang="en-US" dirty="0"/>
-              <a:t>Volume, PV and PVC in details</a:t>
-            </a:r>
-          </a:p>
-          <a:p>
-            <a:r>
-              <a:rPr lang="en-US" dirty="0"/>
-              <a:t>Volume, PV and PVC demo</a:t>
-            </a:r>
-          </a:p>
-          <a:p>
-            <a:r>
               <a:rPr lang="en-US" dirty="0" err="1"/>
-              <a:t>statefulset</a:t>
+              <a:t>Ephermal</a:t>
             </a:r>
             <a:r>
               <a:rPr lang="en-US" dirty="0"/>
-              <a:t> understanding in detail</a:t>
+              <a:t> vs persistent storage</a:t>
             </a:r>
           </a:p>
           <a:p>
+            <a:r>
+              <a:rPr lang="en-US" dirty="0"/>
+              <a:t>Volumes - </a:t>
+            </a:r>
             <a:r>
               <a:rPr lang="en-US" dirty="0" err="1"/>
-              <a:t>Statefulset</a:t>
+              <a:t>emptyDir</a:t>
             </a:r>
             <a:r>
               <a:rPr lang="en-US" dirty="0"/>
-              <a:t> Demo</a:t>
+              <a:t>, </a:t>
             </a:r>
+            <a:r>
+              <a:rPr lang="en-US" dirty="0" err="1"/>
+              <a:t>Hostpath</a:t>
+            </a:r>
+            <a:r>
+              <a:rPr lang="en-US" dirty="0"/>
+              <a:t>, </a:t>
+            </a:r>
+            <a:r>
+              <a:rPr lang="en-US" dirty="0" err="1"/>
+              <a:t>downwardAPI</a:t>
+            </a:r>
+            <a:r>
+              <a:rPr lang="en-US" dirty="0"/>
+              <a:t> &amp; NFS with Demo</a:t>
+            </a:r>
+          </a:p>
+          <a:p>
+            <a:r>
+              <a:rPr lang="en-US" dirty="0"/>
+              <a:t>Volumes - </a:t>
+            </a:r>
+            <a:r>
+              <a:rPr lang="en-US" dirty="0" err="1"/>
+              <a:t>downwardApi</a:t>
+            </a:r>
+            <a:r>
+              <a:rPr lang="en-US" dirty="0"/>
+              <a:t> &amp; </a:t>
+            </a:r>
+            <a:r>
+              <a:rPr lang="en-US" dirty="0" err="1"/>
+              <a:t>Hostpath</a:t>
+            </a:r>
+            <a:r>
+              <a:rPr lang="en-US" dirty="0"/>
+              <a:t> - Demo</a:t>
+            </a:r>
+          </a:p>
+          <a:p>
+            <a:r>
+              <a:rPr lang="en-US" dirty="0" err="1"/>
+              <a:t>Peristent</a:t>
+            </a:r>
+            <a:r>
+              <a:rPr lang="en-US" dirty="0"/>
+              <a:t> volume (PV) and Persistent volume claim (PVC)</a:t>
+            </a:r>
+          </a:p>
+          <a:p>
+            <a:r>
+              <a:rPr lang="en-US" dirty="0"/>
+              <a:t>PV and PVC Data dependencies, use case &amp; Advantages</a:t>
+            </a:r>
+          </a:p>
+          <a:p>
+            <a:r>
+              <a:rPr lang="en-US" dirty="0"/>
+              <a:t>static vs dynamic </a:t>
+            </a:r>
+            <a:r>
+              <a:rPr lang="en-US" dirty="0" err="1"/>
+              <a:t>provisoning</a:t>
+            </a:r>
+            <a:r>
+              <a:rPr lang="en-US" dirty="0"/>
+              <a:t>, PVC assignment in deployments, </a:t>
+            </a:r>
+            <a:r>
+              <a:rPr lang="en-US" dirty="0" err="1"/>
+              <a:t>daemonset</a:t>
+            </a:r>
+            <a:r>
+              <a:rPr lang="en-US" dirty="0"/>
+              <a:t> and </a:t>
+            </a:r>
+            <a:r>
+              <a:rPr lang="en-US" dirty="0" err="1"/>
+              <a:t>statefulSet</a:t>
+            </a:r>
+            <a:r>
+              <a:rPr lang="en-US" dirty="0"/>
+              <a:t> objects</a:t>
+            </a:r>
+          </a:p>
+          <a:p>
+            <a:r>
+              <a:rPr lang="en-US" dirty="0"/>
+              <a:t>PV and </a:t>
+            </a:r>
+            <a:r>
+              <a:rPr lang="en-US" dirty="0" err="1"/>
+              <a:t>pvc</a:t>
+            </a:r>
+            <a:r>
+              <a:rPr lang="en-US" dirty="0"/>
+              <a:t> demo</a:t>
+            </a:r>
+          </a:p>
+          <a:p>
+            <a:r>
+              <a:rPr lang="en-US" dirty="0" err="1"/>
+              <a:t>statefulSet</a:t>
+            </a:r>
+            <a:r>
+              <a:rPr lang="en-US"/>
+              <a:t> Understanding</a:t>
+            </a:r>
+            <a:endParaRPr lang="en-US" dirty="0"/>
           </a:p>
           <a:p>
             <a:pPr marL="1371600" lvl="3" indent="0">
@@ -14147,6 +14242,600 @@
           <p:cNvPr id="2" name="Title 1">
             <a:extLst>
               <a:ext uri="{FF2B5EF4-FFF2-40B4-BE49-F238E27FC236}">
+                <a16:creationId xmlns:a16="http://schemas.microsoft.com/office/drawing/2014/main" id="{6AA5A013-9E50-4168-99B3-923EC01CD9FC}"/>
+              </a:ext>
+            </a:extLst>
+          </p:cNvPr>
+          <p:cNvSpPr>
+            <a:spLocks noGrp="1"/>
+          </p:cNvSpPr>
+          <p:nvPr>
+            <p:ph type="title"/>
+          </p:nvPr>
+        </p:nvSpPr>
+        <p:spPr/>
+        <p:txBody>
+          <a:bodyPr/>
+          <a:lstStyle/>
+          <a:p>
+            <a:r>
+              <a:rPr lang="en-US" dirty="0"/>
+              <a:t>Volume &amp; Mounts</a:t>
+            </a:r>
+            <a:endParaRPr lang="en-IN" dirty="0"/>
+          </a:p>
+        </p:txBody>
+      </p:sp>
+      <p:pic>
+        <p:nvPicPr>
+          <p:cNvPr id="5" name="Picture 4">
+            <a:extLst>
+              <a:ext uri="{FF2B5EF4-FFF2-40B4-BE49-F238E27FC236}">
+                <a16:creationId xmlns:a16="http://schemas.microsoft.com/office/drawing/2014/main" id="{A171F0B1-9B96-1061-7305-A789382DFDE3}"/>
+              </a:ext>
+            </a:extLst>
+          </p:cNvPr>
+          <p:cNvPicPr>
+            <a:picLocks noChangeAspect="1"/>
+          </p:cNvPicPr>
+          <p:nvPr/>
+        </p:nvPicPr>
+        <p:blipFill>
+          <a:blip r:embed="rId2"/>
+          <a:stretch>
+            <a:fillRect/>
+          </a:stretch>
+        </p:blipFill>
+        <p:spPr>
+          <a:xfrm>
+            <a:off x="974362" y="2272247"/>
+            <a:ext cx="10298242" cy="4688830"/>
+          </a:xfrm>
+          <a:prstGeom prst="rect">
+            <a:avLst/>
+          </a:prstGeom>
+        </p:spPr>
+      </p:pic>
+    </p:spTree>
+    <p:extLst>
+      <p:ext uri="{BB962C8B-B14F-4D97-AF65-F5344CB8AC3E}">
+        <p14:creationId xmlns:p14="http://schemas.microsoft.com/office/powerpoint/2010/main" val="4285278285"/>
+      </p:ext>
+    </p:extLst>
+  </p:cSld>
+  <p:clrMapOvr>
+    <a:masterClrMapping/>
+  </p:clrMapOvr>
+</p:sld>
+</file>
+
+<file path=ppt/slides/slide4.xml><?xml version="1.0" encoding="utf-8"?>
+<p:sld xmlns:a="http://schemas.openxmlformats.org/drawingml/2006/main" xmlns:r="http://schemas.openxmlformats.org/officeDocument/2006/relationships" xmlns:p="http://schemas.openxmlformats.org/presentationml/2006/main">
+  <p:cSld>
+    <p:spTree>
+      <p:nvGrpSpPr>
+        <p:cNvPr id="1" name=""/>
+        <p:cNvGrpSpPr/>
+        <p:nvPr/>
+      </p:nvGrpSpPr>
+      <p:grpSpPr>
+        <a:xfrm>
+          <a:off x="0" y="0"/>
+          <a:ext cx="0" cy="0"/>
+          <a:chOff x="0" y="0"/>
+          <a:chExt cx="0" cy="0"/>
+        </a:xfrm>
+      </p:grpSpPr>
+      <p:sp>
+        <p:nvSpPr>
+          <p:cNvPr id="2" name="Title 1">
+            <a:extLst>
+              <a:ext uri="{FF2B5EF4-FFF2-40B4-BE49-F238E27FC236}">
+                <a16:creationId xmlns:a16="http://schemas.microsoft.com/office/drawing/2014/main" id="{8A3BDEED-0891-ACAF-2F67-695C68E42A08}"/>
+              </a:ext>
+            </a:extLst>
+          </p:cNvPr>
+          <p:cNvSpPr>
+            <a:spLocks noGrp="1"/>
+          </p:cNvSpPr>
+          <p:nvPr>
+            <p:ph type="title"/>
+          </p:nvPr>
+        </p:nvSpPr>
+        <p:spPr/>
+        <p:txBody>
+          <a:bodyPr/>
+          <a:lstStyle/>
+          <a:p>
+            <a:r>
+              <a:rPr lang="en-US" dirty="0"/>
+              <a:t>Volume Types</a:t>
+            </a:r>
+            <a:endParaRPr lang="en-IN" dirty="0"/>
+          </a:p>
+        </p:txBody>
+      </p:sp>
+      <p:pic>
+        <p:nvPicPr>
+          <p:cNvPr id="5" name="Picture 4">
+            <a:extLst>
+              <a:ext uri="{FF2B5EF4-FFF2-40B4-BE49-F238E27FC236}">
+                <a16:creationId xmlns:a16="http://schemas.microsoft.com/office/drawing/2014/main" id="{46566005-747C-83C9-EE4D-D033BF696C17}"/>
+              </a:ext>
+            </a:extLst>
+          </p:cNvPr>
+          <p:cNvPicPr>
+            <a:picLocks noChangeAspect="1"/>
+          </p:cNvPicPr>
+          <p:nvPr/>
+        </p:nvPicPr>
+        <p:blipFill>
+          <a:blip r:embed="rId2"/>
+          <a:stretch>
+            <a:fillRect/>
+          </a:stretch>
+        </p:blipFill>
+        <p:spPr>
+          <a:xfrm>
+            <a:off x="1581800" y="2322986"/>
+            <a:ext cx="8761413" cy="4392608"/>
+          </a:xfrm>
+          <a:prstGeom prst="rect">
+            <a:avLst/>
+          </a:prstGeom>
+        </p:spPr>
+      </p:pic>
+    </p:spTree>
+    <p:extLst>
+      <p:ext uri="{BB962C8B-B14F-4D97-AF65-F5344CB8AC3E}">
+        <p14:creationId xmlns:p14="http://schemas.microsoft.com/office/powerpoint/2010/main" val="4207653207"/>
+      </p:ext>
+    </p:extLst>
+  </p:cSld>
+  <p:clrMapOvr>
+    <a:masterClrMapping/>
+  </p:clrMapOvr>
+</p:sld>
+</file>
+
+<file path=ppt/slides/slide5.xml><?xml version="1.0" encoding="utf-8"?>
+<p:sld xmlns:a="http://schemas.openxmlformats.org/drawingml/2006/main" xmlns:r="http://schemas.openxmlformats.org/officeDocument/2006/relationships" xmlns:p="http://schemas.openxmlformats.org/presentationml/2006/main">
+  <p:cSld>
+    <p:spTree>
+      <p:nvGrpSpPr>
+        <p:cNvPr id="1" name=""/>
+        <p:cNvGrpSpPr/>
+        <p:nvPr/>
+      </p:nvGrpSpPr>
+      <p:grpSpPr>
+        <a:xfrm>
+          <a:off x="0" y="0"/>
+          <a:ext cx="0" cy="0"/>
+          <a:chOff x="0" y="0"/>
+          <a:chExt cx="0" cy="0"/>
+        </a:xfrm>
+      </p:grpSpPr>
+      <p:sp>
+        <p:nvSpPr>
+          <p:cNvPr id="2" name="Title 1">
+            <a:extLst>
+              <a:ext uri="{FF2B5EF4-FFF2-40B4-BE49-F238E27FC236}">
+                <a16:creationId xmlns:a16="http://schemas.microsoft.com/office/drawing/2014/main" id="{54518126-B7CB-9D51-37C7-52DFF976FFAA}"/>
+              </a:ext>
+            </a:extLst>
+          </p:cNvPr>
+          <p:cNvSpPr>
+            <a:spLocks noGrp="1"/>
+          </p:cNvSpPr>
+          <p:nvPr>
+            <p:ph type="title"/>
+          </p:nvPr>
+        </p:nvSpPr>
+        <p:spPr/>
+        <p:txBody>
+          <a:bodyPr/>
+          <a:lstStyle/>
+          <a:p>
+            <a:r>
+              <a:rPr lang="en-US" dirty="0"/>
+              <a:t>Persistent Volume</a:t>
+            </a:r>
+            <a:endParaRPr lang="en-IN" dirty="0"/>
+          </a:p>
+        </p:txBody>
+      </p:sp>
+      <p:pic>
+        <p:nvPicPr>
+          <p:cNvPr id="5" name="Picture 4">
+            <a:extLst>
+              <a:ext uri="{FF2B5EF4-FFF2-40B4-BE49-F238E27FC236}">
+                <a16:creationId xmlns:a16="http://schemas.microsoft.com/office/drawing/2014/main" id="{C46CFAB1-4E9A-F345-0A75-A5C2B2638AE7}"/>
+              </a:ext>
+            </a:extLst>
+          </p:cNvPr>
+          <p:cNvPicPr>
+            <a:picLocks noChangeAspect="1"/>
+          </p:cNvPicPr>
+          <p:nvPr/>
+        </p:nvPicPr>
+        <p:blipFill>
+          <a:blip r:embed="rId2"/>
+          <a:stretch>
+            <a:fillRect/>
+          </a:stretch>
+        </p:blipFill>
+        <p:spPr>
+          <a:xfrm>
+            <a:off x="79241" y="2319337"/>
+            <a:ext cx="5602031" cy="4538664"/>
+          </a:xfrm>
+          <a:prstGeom prst="rect">
+            <a:avLst/>
+          </a:prstGeom>
+        </p:spPr>
+      </p:pic>
+      <p:pic>
+        <p:nvPicPr>
+          <p:cNvPr id="7" name="Picture 6">
+            <a:extLst>
+              <a:ext uri="{FF2B5EF4-FFF2-40B4-BE49-F238E27FC236}">
+                <a16:creationId xmlns:a16="http://schemas.microsoft.com/office/drawing/2014/main" id="{D334518C-CD1A-589A-53F2-4B420D9F2ACE}"/>
+              </a:ext>
+            </a:extLst>
+          </p:cNvPr>
+          <p:cNvPicPr>
+            <a:picLocks noChangeAspect="1"/>
+          </p:cNvPicPr>
+          <p:nvPr/>
+        </p:nvPicPr>
+        <p:blipFill>
+          <a:blip r:embed="rId3"/>
+          <a:stretch>
+            <a:fillRect/>
+          </a:stretch>
+        </p:blipFill>
+        <p:spPr>
+          <a:xfrm>
+            <a:off x="5681272" y="2319336"/>
+            <a:ext cx="6265889" cy="4538663"/>
+          </a:xfrm>
+          <a:prstGeom prst="rect">
+            <a:avLst/>
+          </a:prstGeom>
+        </p:spPr>
+      </p:pic>
+    </p:spTree>
+    <p:extLst>
+      <p:ext uri="{BB962C8B-B14F-4D97-AF65-F5344CB8AC3E}">
+        <p14:creationId xmlns:p14="http://schemas.microsoft.com/office/powerpoint/2010/main" val="2266578949"/>
+      </p:ext>
+    </p:extLst>
+  </p:cSld>
+  <p:clrMapOvr>
+    <a:masterClrMapping/>
+  </p:clrMapOvr>
+</p:sld>
+</file>
+
+<file path=ppt/slides/slide6.xml><?xml version="1.0" encoding="utf-8"?>
+<p:sld xmlns:a="http://schemas.openxmlformats.org/drawingml/2006/main" xmlns:r="http://schemas.openxmlformats.org/officeDocument/2006/relationships" xmlns:p="http://schemas.openxmlformats.org/presentationml/2006/main">
+  <p:cSld>
+    <p:spTree>
+      <p:nvGrpSpPr>
+        <p:cNvPr id="1" name=""/>
+        <p:cNvGrpSpPr/>
+        <p:nvPr/>
+      </p:nvGrpSpPr>
+      <p:grpSpPr>
+        <a:xfrm>
+          <a:off x="0" y="0"/>
+          <a:ext cx="0" cy="0"/>
+          <a:chOff x="0" y="0"/>
+          <a:chExt cx="0" cy="0"/>
+        </a:xfrm>
+      </p:grpSpPr>
+      <p:sp>
+        <p:nvSpPr>
+          <p:cNvPr id="2" name="Title 1">
+            <a:extLst>
+              <a:ext uri="{FF2B5EF4-FFF2-40B4-BE49-F238E27FC236}">
+                <a16:creationId xmlns:a16="http://schemas.microsoft.com/office/drawing/2014/main" id="{1B6CA7F2-BCAD-CA65-2AF3-48741EB7D177}"/>
+              </a:ext>
+            </a:extLst>
+          </p:cNvPr>
+          <p:cNvSpPr>
+            <a:spLocks noGrp="1"/>
+          </p:cNvSpPr>
+          <p:nvPr>
+            <p:ph type="title"/>
+          </p:nvPr>
+        </p:nvSpPr>
+        <p:spPr/>
+        <p:txBody>
+          <a:bodyPr/>
+          <a:lstStyle/>
+          <a:p>
+            <a:r>
+              <a:rPr lang="en-US" dirty="0"/>
+              <a:t>Persistent Volume Claim</a:t>
+            </a:r>
+            <a:endParaRPr lang="en-IN" dirty="0"/>
+          </a:p>
+        </p:txBody>
+      </p:sp>
+      <p:pic>
+        <p:nvPicPr>
+          <p:cNvPr id="5" name="Picture 4">
+            <a:extLst>
+              <a:ext uri="{FF2B5EF4-FFF2-40B4-BE49-F238E27FC236}">
+                <a16:creationId xmlns:a16="http://schemas.microsoft.com/office/drawing/2014/main" id="{5F4D1685-CD0C-8622-0D73-2B9869DE0D30}"/>
+              </a:ext>
+            </a:extLst>
+          </p:cNvPr>
+          <p:cNvPicPr>
+            <a:picLocks noChangeAspect="1"/>
+          </p:cNvPicPr>
+          <p:nvPr/>
+        </p:nvPicPr>
+        <p:blipFill>
+          <a:blip r:embed="rId2"/>
+          <a:stretch>
+            <a:fillRect/>
+          </a:stretch>
+        </p:blipFill>
+        <p:spPr>
+          <a:xfrm>
+            <a:off x="478302" y="2349305"/>
+            <a:ext cx="11197883" cy="4508695"/>
+          </a:xfrm>
+          <a:prstGeom prst="rect">
+            <a:avLst/>
+          </a:prstGeom>
+        </p:spPr>
+      </p:pic>
+    </p:spTree>
+    <p:extLst>
+      <p:ext uri="{BB962C8B-B14F-4D97-AF65-F5344CB8AC3E}">
+        <p14:creationId xmlns:p14="http://schemas.microsoft.com/office/powerpoint/2010/main" val="2363914743"/>
+      </p:ext>
+    </p:extLst>
+  </p:cSld>
+  <p:clrMapOvr>
+    <a:masterClrMapping/>
+  </p:clrMapOvr>
+</p:sld>
+</file>
+
+<file path=ppt/slides/slide7.xml><?xml version="1.0" encoding="utf-8"?>
+<p:sld xmlns:a="http://schemas.openxmlformats.org/drawingml/2006/main" xmlns:r="http://schemas.openxmlformats.org/officeDocument/2006/relationships" xmlns:p="http://schemas.openxmlformats.org/presentationml/2006/main">
+  <p:cSld>
+    <p:spTree>
+      <p:nvGrpSpPr>
+        <p:cNvPr id="1" name=""/>
+        <p:cNvGrpSpPr/>
+        <p:nvPr/>
+      </p:nvGrpSpPr>
+      <p:grpSpPr>
+        <a:xfrm>
+          <a:off x="0" y="0"/>
+          <a:ext cx="0" cy="0"/>
+          <a:chOff x="0" y="0"/>
+          <a:chExt cx="0" cy="0"/>
+        </a:xfrm>
+      </p:grpSpPr>
+      <p:sp>
+        <p:nvSpPr>
+          <p:cNvPr id="2" name="Title 1">
+            <a:extLst>
+              <a:ext uri="{FF2B5EF4-FFF2-40B4-BE49-F238E27FC236}">
+                <a16:creationId xmlns:a16="http://schemas.microsoft.com/office/drawing/2014/main" id="{6FAF43BA-93F6-3789-AC2C-11A4BAFACCE9}"/>
+              </a:ext>
+            </a:extLst>
+          </p:cNvPr>
+          <p:cNvSpPr>
+            <a:spLocks noGrp="1"/>
+          </p:cNvSpPr>
+          <p:nvPr>
+            <p:ph type="title"/>
+          </p:nvPr>
+        </p:nvSpPr>
+        <p:spPr/>
+        <p:txBody>
+          <a:bodyPr/>
+          <a:lstStyle/>
+          <a:p>
+            <a:r>
+              <a:rPr lang="en-US" dirty="0"/>
+              <a:t>PVC - Binding</a:t>
+            </a:r>
+            <a:endParaRPr lang="en-IN" dirty="0"/>
+          </a:p>
+        </p:txBody>
+      </p:sp>
+      <p:pic>
+        <p:nvPicPr>
+          <p:cNvPr id="5" name="Picture 4">
+            <a:extLst>
+              <a:ext uri="{FF2B5EF4-FFF2-40B4-BE49-F238E27FC236}">
+                <a16:creationId xmlns:a16="http://schemas.microsoft.com/office/drawing/2014/main" id="{AA5156F1-DEC0-E3B8-45BE-121DD1ABFB75}"/>
+              </a:ext>
+            </a:extLst>
+          </p:cNvPr>
+          <p:cNvPicPr>
+            <a:picLocks noChangeAspect="1"/>
+          </p:cNvPicPr>
+          <p:nvPr/>
+        </p:nvPicPr>
+        <p:blipFill>
+          <a:blip r:embed="rId2"/>
+          <a:stretch>
+            <a:fillRect/>
+          </a:stretch>
+        </p:blipFill>
+        <p:spPr>
+          <a:xfrm>
+            <a:off x="-1" y="2307102"/>
+            <a:ext cx="5584875" cy="4550898"/>
+          </a:xfrm>
+          <a:prstGeom prst="rect">
+            <a:avLst/>
+          </a:prstGeom>
+        </p:spPr>
+      </p:pic>
+      <p:pic>
+        <p:nvPicPr>
+          <p:cNvPr id="7" name="Picture 6">
+            <a:extLst>
+              <a:ext uri="{FF2B5EF4-FFF2-40B4-BE49-F238E27FC236}">
+                <a16:creationId xmlns:a16="http://schemas.microsoft.com/office/drawing/2014/main" id="{78BF7262-682E-161B-DE67-59774B955BFA}"/>
+              </a:ext>
+            </a:extLst>
+          </p:cNvPr>
+          <p:cNvPicPr>
+            <a:picLocks noChangeAspect="1"/>
+          </p:cNvPicPr>
+          <p:nvPr/>
+        </p:nvPicPr>
+        <p:blipFill>
+          <a:blip r:embed="rId3"/>
+          <a:stretch>
+            <a:fillRect/>
+          </a:stretch>
+        </p:blipFill>
+        <p:spPr>
+          <a:xfrm>
+            <a:off x="5711483" y="2307102"/>
+            <a:ext cx="6480518" cy="4550898"/>
+          </a:xfrm>
+          <a:prstGeom prst="rect">
+            <a:avLst/>
+          </a:prstGeom>
+        </p:spPr>
+      </p:pic>
+    </p:spTree>
+    <p:extLst>
+      <p:ext uri="{BB962C8B-B14F-4D97-AF65-F5344CB8AC3E}">
+        <p14:creationId xmlns:p14="http://schemas.microsoft.com/office/powerpoint/2010/main" val="549709792"/>
+      </p:ext>
+    </p:extLst>
+  </p:cSld>
+  <p:clrMapOvr>
+    <a:masterClrMapping/>
+  </p:clrMapOvr>
+</p:sld>
+</file>
+
+<file path=ppt/slides/slide8.xml><?xml version="1.0" encoding="utf-8"?>
+<p:sld xmlns:a="http://schemas.openxmlformats.org/drawingml/2006/main" xmlns:r="http://schemas.openxmlformats.org/officeDocument/2006/relationships" xmlns:p="http://schemas.openxmlformats.org/presentationml/2006/main">
+  <p:cSld>
+    <p:spTree>
+      <p:nvGrpSpPr>
+        <p:cNvPr id="1" name=""/>
+        <p:cNvGrpSpPr/>
+        <p:nvPr/>
+      </p:nvGrpSpPr>
+      <p:grpSpPr>
+        <a:xfrm>
+          <a:off x="0" y="0"/>
+          <a:ext cx="0" cy="0"/>
+          <a:chOff x="0" y="0"/>
+          <a:chExt cx="0" cy="0"/>
+        </a:xfrm>
+      </p:grpSpPr>
+      <p:sp>
+        <p:nvSpPr>
+          <p:cNvPr id="2" name="Title 1">
+            <a:extLst>
+              <a:ext uri="{FF2B5EF4-FFF2-40B4-BE49-F238E27FC236}">
+                <a16:creationId xmlns:a16="http://schemas.microsoft.com/office/drawing/2014/main" id="{9BBCEC57-4692-7956-F125-D68F3C59497D}"/>
+              </a:ext>
+            </a:extLst>
+          </p:cNvPr>
+          <p:cNvSpPr>
+            <a:spLocks noGrp="1"/>
+          </p:cNvSpPr>
+          <p:nvPr>
+            <p:ph type="title"/>
+          </p:nvPr>
+        </p:nvSpPr>
+        <p:spPr/>
+        <p:txBody>
+          <a:bodyPr/>
+          <a:lstStyle/>
+          <a:p>
+            <a:r>
+              <a:rPr lang="en-US" dirty="0"/>
+              <a:t>PVC - Details</a:t>
+            </a:r>
+            <a:endParaRPr lang="en-IN" dirty="0"/>
+          </a:p>
+        </p:txBody>
+      </p:sp>
+      <p:pic>
+        <p:nvPicPr>
+          <p:cNvPr id="5" name="Picture 4">
+            <a:extLst>
+              <a:ext uri="{FF2B5EF4-FFF2-40B4-BE49-F238E27FC236}">
+                <a16:creationId xmlns:a16="http://schemas.microsoft.com/office/drawing/2014/main" id="{7602B98A-F8D9-0C3C-DABD-FAAB2EC31527}"/>
+              </a:ext>
+            </a:extLst>
+          </p:cNvPr>
+          <p:cNvPicPr>
+            <a:picLocks noChangeAspect="1"/>
+          </p:cNvPicPr>
+          <p:nvPr/>
+        </p:nvPicPr>
+        <p:blipFill>
+          <a:blip r:embed="rId2"/>
+          <a:stretch>
+            <a:fillRect/>
+          </a:stretch>
+        </p:blipFill>
+        <p:spPr>
+          <a:xfrm>
+            <a:off x="492369" y="2230341"/>
+            <a:ext cx="11169747" cy="4465881"/>
+          </a:xfrm>
+          <a:prstGeom prst="rect">
+            <a:avLst/>
+          </a:prstGeom>
+        </p:spPr>
+      </p:pic>
+    </p:spTree>
+    <p:extLst>
+      <p:ext uri="{BB962C8B-B14F-4D97-AF65-F5344CB8AC3E}">
+        <p14:creationId xmlns:p14="http://schemas.microsoft.com/office/powerpoint/2010/main" val="3172787323"/>
+      </p:ext>
+    </p:extLst>
+  </p:cSld>
+  <p:clrMapOvr>
+    <a:masterClrMapping/>
+  </p:clrMapOvr>
+</p:sld>
+</file>
+
+<file path=ppt/slides/slide9.xml><?xml version="1.0" encoding="utf-8"?>
+<p:sld xmlns:a="http://schemas.openxmlformats.org/drawingml/2006/main" xmlns:r="http://schemas.openxmlformats.org/officeDocument/2006/relationships" xmlns:p="http://schemas.openxmlformats.org/presentationml/2006/main">
+  <p:cSld>
+    <p:spTree>
+      <p:nvGrpSpPr>
+        <p:cNvPr id="1" name=""/>
+        <p:cNvGrpSpPr/>
+        <p:nvPr/>
+      </p:nvGrpSpPr>
+      <p:grpSpPr>
+        <a:xfrm>
+          <a:off x="0" y="0"/>
+          <a:ext cx="0" cy="0"/>
+          <a:chOff x="0" y="0"/>
+          <a:chExt cx="0" cy="0"/>
+        </a:xfrm>
+      </p:grpSpPr>
+      <p:sp>
+        <p:nvSpPr>
+          <p:cNvPr id="2" name="Title 1">
+            <a:extLst>
+              <a:ext uri="{FF2B5EF4-FFF2-40B4-BE49-F238E27FC236}">
                 <a16:creationId xmlns:a16="http://schemas.microsoft.com/office/drawing/2014/main" id="{13182FD3-6C7D-6C4E-252E-520951EBDC12}"/>
               </a:ext>
             </a:extLst>
@@ -14200,33 +14889,79 @@
           <a:lstStyle/>
           <a:p>
             <a:r>
-              <a:rPr lang="en-US" dirty="0" err="1"/>
-              <a:t>Statefulset</a:t>
+              <a:rPr lang="en-US" dirty="0"/>
+              <a:t>Volumes/Persistent Volumes in Kubernetes world:</a:t>
             </a:r>
+          </a:p>
+          <a:p>
+            <a:pPr lvl="1">
+              <a:buFont typeface="Wingdings" panose="05000000000000000000" pitchFamily="2" charset="2"/>
+              <a:buChar char="Ø"/>
+            </a:pPr>
             <a:r>
               <a:rPr lang="en-US" dirty="0"/>
-              <a:t>:</a:t>
+              <a:t>	https://kubernetes.io/docs/concepts/storage/volumes/</a:t>
             </a:r>
           </a:p>
           <a:p>
-            <a:pPr lvl="1"/>
+            <a:pPr lvl="1">
+              <a:buFont typeface="Wingdings" panose="05000000000000000000" pitchFamily="2" charset="2"/>
+              <a:buChar char="Ø"/>
+            </a:pPr>
             <a:r>
               <a:rPr lang="en-US" dirty="0"/>
-              <a:t>https://kubernetes.io/docs/concepts/workloads/controllers/statefulset/</a:t>
+              <a:t>	https://kubernetes.io/docs/concepts/storage/persistent-volumes/</a:t>
             </a:r>
           </a:p>
           <a:p>
-            <a:pPr lvl="1"/>
+            <a:pPr lvl="1">
+              <a:buFont typeface="Wingdings" panose="05000000000000000000" pitchFamily="2" charset="2"/>
+              <a:buChar char="Ø"/>
+            </a:pPr>
             <a:r>
               <a:rPr lang="en-US" dirty="0"/>
-              <a:t>https://sysdig.com/learn-cloud-native/kubernetes-101/kubernetes-statefulsets-overview/</a:t>
+              <a:t>	https://kubernetes.io/docs/concepts/storage/ephemeral-volumes/</a:t>
             </a:r>
           </a:p>
           <a:p>
-            <a:pPr marL="457200" lvl="1" indent="0">
-              <a:buNone/>
+            <a:pPr lvl="1">
+              <a:buFont typeface="Wingdings" panose="05000000000000000000" pitchFamily="2" charset="2"/>
+              <a:buChar char="Ø"/>
             </a:pPr>
-            <a:endParaRPr lang="en-US" dirty="0"/>
+            <a:r>
+              <a:rPr lang="en-US" dirty="0"/>
+              <a:t>	https://kubernetes.io/docs/concepts/storage/projected-volumes/</a:t>
+            </a:r>
+          </a:p>
+          <a:p>
+            <a:pPr lvl="1">
+              <a:buFont typeface="Wingdings" panose="05000000000000000000" pitchFamily="2" charset="2"/>
+              <a:buChar char="Ø"/>
+            </a:pPr>
+            <a:r>
+              <a:rPr lang="en-US" dirty="0"/>
+              <a:t>	https://kubernetes.io/docs/tasks/configure-pod-container/configure-persistent-volume-storage/</a:t>
+            </a:r>
+          </a:p>
+          <a:p>
+            <a:pPr lvl="1">
+              <a:buFont typeface="Wingdings" panose="05000000000000000000" pitchFamily="2" charset="2"/>
+              <a:buChar char="Ø"/>
+            </a:pPr>
+            <a:r>
+              <a:rPr lang="en-US" dirty="0"/>
+              <a:t>	https://bluexp.netapp.com/blog/cvo-blg-kubernetes-persistent-volume-claims-explained</a:t>
+            </a:r>
+          </a:p>
+          <a:p>
+            <a:pPr lvl="1">
+              <a:buFont typeface="Wingdings" panose="05000000000000000000" pitchFamily="2" charset="2"/>
+              <a:buChar char="Ø"/>
+            </a:pPr>
+            <a:r>
+              <a:rPr lang="en-US" dirty="0"/>
+              <a:t>	https://www.digihunch.com/2021/06/kubernetes-storage-explained/</a:t>
+            </a:r>
           </a:p>
         </p:txBody>
       </p:sp>

--- a/Day31/DockerAndKubernetes_Training-Day31.pptx
+++ b/Day31/DockerAndKubernetes_Training-Day31.pptx
@@ -205,7 +205,7 @@
           <a:p>
             <a:fld id="{B09F413D-6E72-4B8A-80ED-A580F7C91B71}" type="datetimeFigureOut">
               <a:rPr lang="en-IN" smtClean="0"/>
-              <a:t>15-05-2023</a:t>
+              <a:t>16-05-2023</a:t>
             </a:fld>
             <a:endParaRPr lang="en-IN"/>
           </a:p>
@@ -808,7 +808,7 @@
           <a:p>
             <a:fld id="{12E8600E-B0EE-4521-BF40-4B72FBA06775}" type="datetimeFigureOut">
               <a:rPr lang="en-IN" smtClean="0"/>
-              <a:t>15-05-2023</a:t>
+              <a:t>16-05-2023</a:t>
             </a:fld>
             <a:endParaRPr lang="en-IN"/>
           </a:p>
@@ -1897,7 +1897,7 @@
             <a:fld id="{49F3E739-D457-46E5-B626-C9B182A007EE}" type="datetimeFigureOut">
               <a:rPr lang="en-US" smtClean="0"/>
               <a:pPr/>
-              <a:t>5/15/2023</a:t>
+              <a:t>5/16/2023</a:t>
             </a:fld>
             <a:endParaRPr lang="en-US"/>
           </a:p>
@@ -2879,7 +2879,7 @@
             <a:fld id="{49F3E739-D457-46E5-B626-C9B182A007EE}" type="datetimeFigureOut">
               <a:rPr lang="en-US" smtClean="0"/>
               <a:pPr/>
-              <a:t>5/15/2023</a:t>
+              <a:t>5/16/2023</a:t>
             </a:fld>
             <a:endParaRPr lang="en-US"/>
           </a:p>
@@ -4015,7 +4015,7 @@
             <a:fld id="{49F3E739-D457-46E5-B626-C9B182A007EE}" type="datetimeFigureOut">
               <a:rPr lang="en-US" smtClean="0"/>
               <a:pPr/>
-              <a:t>5/15/2023</a:t>
+              <a:t>5/16/2023</a:t>
             </a:fld>
             <a:endParaRPr lang="en-US"/>
           </a:p>
@@ -5050,7 +5050,7 @@
             <a:fld id="{49F3E739-D457-46E5-B626-C9B182A007EE}" type="datetimeFigureOut">
               <a:rPr lang="en-US" smtClean="0"/>
               <a:pPr/>
-              <a:t>5/15/2023</a:t>
+              <a:t>5/16/2023</a:t>
             </a:fld>
             <a:endParaRPr lang="en-US"/>
           </a:p>
@@ -5712,7 +5712,7 @@
             <a:fld id="{49F3E739-D457-46E5-B626-C9B182A007EE}" type="datetimeFigureOut">
               <a:rPr lang="en-US" smtClean="0"/>
               <a:pPr/>
-              <a:t>5/15/2023</a:t>
+              <a:t>5/16/2023</a:t>
             </a:fld>
             <a:endParaRPr lang="en-US"/>
           </a:p>
@@ -6575,7 +6575,7 @@
             <a:fld id="{49F3E739-D457-46E5-B626-C9B182A007EE}" type="datetimeFigureOut">
               <a:rPr lang="en-US" smtClean="0"/>
               <a:pPr/>
-              <a:t>5/15/2023</a:t>
+              <a:t>5/16/2023</a:t>
             </a:fld>
             <a:endParaRPr lang="en-US"/>
           </a:p>
@@ -6766,7 +6766,7 @@
           <a:p>
             <a:fld id="{12E8600E-B0EE-4521-BF40-4B72FBA06775}" type="datetimeFigureOut">
               <a:rPr lang="en-IN" smtClean="0"/>
-              <a:t>15-05-2023</a:t>
+              <a:t>16-05-2023</a:t>
             </a:fld>
             <a:endParaRPr lang="en-IN"/>
           </a:p>
@@ -7738,7 +7738,7 @@
           <a:p>
             <a:fld id="{12E8600E-B0EE-4521-BF40-4B72FBA06775}" type="datetimeFigureOut">
               <a:rPr lang="en-IN" smtClean="0"/>
-              <a:t>15-05-2023</a:t>
+              <a:t>16-05-2023</a:t>
             </a:fld>
             <a:endParaRPr lang="en-IN"/>
           </a:p>
@@ -7949,7 +7949,7 @@
           <a:p>
             <a:fld id="{12E8600E-B0EE-4521-BF40-4B72FBA06775}" type="datetimeFigureOut">
               <a:rPr lang="en-IN" smtClean="0"/>
-              <a:t>15-05-2023</a:t>
+              <a:t>16-05-2023</a:t>
             </a:fld>
             <a:endParaRPr lang="en-IN"/>
           </a:p>
@@ -8983,7 +8983,7 @@
           <a:p>
             <a:fld id="{12E8600E-B0EE-4521-BF40-4B72FBA06775}" type="datetimeFigureOut">
               <a:rPr lang="en-IN" smtClean="0"/>
-              <a:t>15-05-2023</a:t>
+              <a:t>16-05-2023</a:t>
             </a:fld>
             <a:endParaRPr lang="en-IN"/>
           </a:p>
@@ -9255,7 +9255,7 @@
           <a:p>
             <a:fld id="{12E8600E-B0EE-4521-BF40-4B72FBA06775}" type="datetimeFigureOut">
               <a:rPr lang="en-IN" smtClean="0"/>
-              <a:t>15-05-2023</a:t>
+              <a:t>16-05-2023</a:t>
             </a:fld>
             <a:endParaRPr lang="en-IN"/>
           </a:p>
@@ -9666,7 +9666,7 @@
             <a:fld id="{49F3E739-D457-46E5-B626-C9B182A007EE}" type="datetimeFigureOut">
               <a:rPr lang="en-US" smtClean="0"/>
               <a:pPr/>
-              <a:t>5/15/2023</a:t>
+              <a:t>5/16/2023</a:t>
             </a:fld>
             <a:endParaRPr lang="en-US"/>
           </a:p>
@@ -9794,7 +9794,7 @@
           <a:p>
             <a:fld id="{12E8600E-B0EE-4521-BF40-4B72FBA06775}" type="datetimeFigureOut">
               <a:rPr lang="en-IN" smtClean="0"/>
-              <a:t>15-05-2023</a:t>
+              <a:t>16-05-2023</a:t>
             </a:fld>
             <a:endParaRPr lang="en-IN"/>
           </a:p>
@@ -9889,7 +9889,7 @@
           <a:p>
             <a:fld id="{12E8600E-B0EE-4521-BF40-4B72FBA06775}" type="datetimeFigureOut">
               <a:rPr lang="en-IN" smtClean="0"/>
-              <a:t>15-05-2023</a:t>
+              <a:t>16-05-2023</a:t>
             </a:fld>
             <a:endParaRPr lang="en-IN"/>
           </a:p>
@@ -10970,7 +10970,7 @@
           <a:p>
             <a:fld id="{12E8600E-B0EE-4521-BF40-4B72FBA06775}" type="datetimeFigureOut">
               <a:rPr lang="en-IN" smtClean="0"/>
-              <a:t>15-05-2023</a:t>
+              <a:t>16-05-2023</a:t>
             </a:fld>
             <a:endParaRPr lang="en-IN"/>
           </a:p>
@@ -12079,7 +12079,7 @@
             <a:fld id="{49F3E739-D457-46E5-B626-C9B182A007EE}" type="datetimeFigureOut">
               <a:rPr lang="en-US" smtClean="0"/>
               <a:pPr/>
-              <a:t>5/15/2023</a:t>
+              <a:t>5/16/2023</a:t>
             </a:fld>
             <a:endParaRPr lang="en-US"/>
           </a:p>
@@ -13078,7 +13078,7 @@
             <a:fld id="{49F3E739-D457-46E5-B626-C9B182A007EE}" type="datetimeFigureOut">
               <a:rPr lang="en-US" smtClean="0"/>
               <a:pPr/>
-              <a:t>5/15/2023</a:t>
+              <a:t>5/16/2023</a:t>
             </a:fld>
             <a:endParaRPr lang="en-US"/>
           </a:p>
@@ -13666,7 +13666,7 @@
           <a:p>
             <a:r>
               <a:rPr lang="en-US" sz="4800" b="1" i="1" dirty="0"/>
-              <a:t>DAY 30</a:t>
+              <a:t>DAY 31</a:t>
             </a:r>
             <a:endParaRPr lang="en-IN" sz="4800" b="1" i="1" dirty="0"/>
           </a:p>
@@ -14168,10 +14168,9 @@
               <a:t>statefulSet</a:t>
             </a:r>
             <a:r>
-              <a:rPr lang="en-US"/>
+              <a:rPr lang="en-US" dirty="0"/>
               <a:t> Understanding</a:t>
             </a:r>
-            <a:endParaRPr lang="en-US" dirty="0"/>
           </a:p>
           <a:p>
             <a:pPr marL="1371600" lvl="3" indent="0">
